--- a/Matches/Action Pistol - ISA - April 2021/SUR, A - Angry Elf.pptx
+++ b/Matches/Action Pistol - ISA - April 2021/SUR, A - Angry Elf.pptx
@@ -335,7 +335,7 @@
               <a:pPr>
                 <a:defRPr/>
               </a:pPr>
-              <a:t>30.11.2020</a:t>
+              <a:t>3/30/21</a:t>
             </a:fld>
             <a:endParaRPr lang="en-US"/>
           </a:p>
@@ -4232,14 +4232,14 @@
           <p:nvPr>
             <p:extLst>
               <p:ext uri="{D42A27DB-BD31-4B8C-83A1-F6EECF244321}">
-                <p14:modId xmlns:p14="http://schemas.microsoft.com/office/powerpoint/2010/main" val="4108249303"/>
+                <p14:modId xmlns:p14="http://schemas.microsoft.com/office/powerpoint/2010/main" val="260937140"/>
               </p:ext>
             </p:extLst>
           </p:nvPr>
         </p:nvGraphicFramePr>
         <p:xfrm>
           <a:off x="152400" y="152400"/>
-          <a:ext cx="7010400" cy="3828203"/>
+          <a:ext cx="7010400" cy="3979079"/>
         </p:xfrm>
         <a:graphic>
           <a:graphicData uri="http://schemas.openxmlformats.org/drawingml/2006/table">
@@ -4650,7 +4650,37 @@
                           <a:ea typeface="ＭＳ Ｐゴシック" pitchFamily="-112" charset="-128"/>
                           <a:cs typeface="Times New Roman" pitchFamily="-112" charset="0"/>
                         </a:rPr>
-                        <a:t>START POSITION: </a:t>
+                        <a:t>START POSITION</a:t>
+                      </a:r>
+                      <a:r>
+                        <a:rPr kumimoji="0" lang="en-US" sz="1100" b="1" i="0" u="none" strike="noStrike" cap="none" normalizeH="0" baseline="0">
+                          <a:ln>
+                            <a:noFill/>
+                          </a:ln>
+                          <a:solidFill>
+                            <a:schemeClr val="tx1"/>
+                          </a:solidFill>
+                          <a:effectLst/>
+                          <a:latin typeface="Arial" charset="0"/>
+                          <a:ea typeface="ＭＳ Ｐゴシック" pitchFamily="-112" charset="-128"/>
+                          <a:cs typeface="Times New Roman" pitchFamily="-112" charset="0"/>
+                        </a:rPr>
+                        <a:t>: </a:t>
+                      </a:r>
+                      <a:r>
+                        <a:rPr kumimoji="0" lang="en-US" sz="1100" b="0" i="0" u="none" strike="noStrike" cap="none" normalizeH="0" baseline="0">
+                          <a:ln>
+                            <a:noFill/>
+                          </a:ln>
+                          <a:solidFill>
+                            <a:schemeClr val="tx1"/>
+                          </a:solidFill>
+                          <a:effectLst/>
+                          <a:latin typeface="Arial" charset="0"/>
+                          <a:ea typeface="ＭＳ Ｐゴシック" pitchFamily="-112" charset="-128"/>
+                          <a:cs typeface="Times New Roman" pitchFamily="-112" charset="0"/>
+                        </a:rPr>
+                        <a:t>Standing </a:t>
                       </a:r>
                       <a:r>
                         <a:rPr kumimoji="0" lang="en-US" sz="1100" b="0" i="0" u="none" strike="noStrike" cap="none" normalizeH="0" baseline="0" dirty="0">
@@ -4665,7 +4695,7 @@
                           <a:ea typeface="ＭＳ Ｐゴシック" pitchFamily="-112" charset="-128"/>
                           <a:cs typeface="Times New Roman" pitchFamily="-112" charset="0"/>
                         </a:rPr>
-                        <a:t>Anywhere outside the shooting area, wrists below belt. Handgun loaded and holstered.</a:t>
+                        <a:t>anywhere outside the shooting area, wrists below belt. Handgun loaded and holstered.</a:t>
                       </a:r>
                     </a:p>
                     <a:p>
